--- a/week 10/Slides/10-1 EMAT10007_Building_programs.pptx
+++ b/week 10/Slides/10-1 EMAT10007_Building_programs.pptx
@@ -5,13 +5,15 @@
     <p:sldMasterId id="2147483648" r:id="rId1"/>
   </p:sldMasterIdLst>
   <p:notesMasterIdLst>
-    <p:notesMasterId r:id="rId6"/>
+    <p:notesMasterId r:id="rId8"/>
   </p:notesMasterIdLst>
   <p:sldIdLst>
     <p:sldId id="257" r:id="rId2"/>
-    <p:sldId id="263" r:id="rId3"/>
-    <p:sldId id="261" r:id="rId4"/>
-    <p:sldId id="266" r:id="rId5"/>
+    <p:sldId id="267" r:id="rId3"/>
+    <p:sldId id="263" r:id="rId4"/>
+    <p:sldId id="261" r:id="rId5"/>
+    <p:sldId id="268" r:id="rId6"/>
+    <p:sldId id="266" r:id="rId7"/>
   </p:sldIdLst>
   <p:sldSz cx="12192000" cy="6858000"/>
   <p:notesSz cx="6858000" cy="9144000"/>
@@ -200,7 +202,7 @@
           <a:p>
             <a:fld id="{E8A8ACC3-0E38-D947-99F4-623262533D05}" type="datetimeFigureOut">
               <a:rPr lang="en-US" smtClean="0"/>
-              <a:t>10/1/20</a:t>
+              <a:t>11/13/20</a:t>
             </a:fld>
             <a:endParaRPr lang="en-US"/>
           </a:p>
@@ -599,7 +601,7 @@
           <a:p>
             <a:fld id="{F7E21593-AEF4-2045-BB31-B95C21131DEA}" type="datetimeFigureOut">
               <a:rPr lang="en-US" smtClean="0"/>
-              <a:t>10/1/20</a:t>
+              <a:t>11/13/20</a:t>
             </a:fld>
             <a:endParaRPr lang="en-US"/>
           </a:p>
@@ -769,7 +771,7 @@
           <a:p>
             <a:fld id="{F7E21593-AEF4-2045-BB31-B95C21131DEA}" type="datetimeFigureOut">
               <a:rPr lang="en-US" smtClean="0"/>
-              <a:t>10/1/20</a:t>
+              <a:t>11/13/20</a:t>
             </a:fld>
             <a:endParaRPr lang="en-US"/>
           </a:p>
@@ -949,7 +951,7 @@
           <a:p>
             <a:fld id="{F7E21593-AEF4-2045-BB31-B95C21131DEA}" type="datetimeFigureOut">
               <a:rPr lang="en-US" smtClean="0"/>
-              <a:t>10/1/20</a:t>
+              <a:t>11/13/20</a:t>
             </a:fld>
             <a:endParaRPr lang="en-US"/>
           </a:p>
@@ -1119,7 +1121,7 @@
           <a:p>
             <a:fld id="{F7E21593-AEF4-2045-BB31-B95C21131DEA}" type="datetimeFigureOut">
               <a:rPr lang="en-US" smtClean="0"/>
-              <a:t>10/1/20</a:t>
+              <a:t>11/13/20</a:t>
             </a:fld>
             <a:endParaRPr lang="en-US"/>
           </a:p>
@@ -1365,7 +1367,7 @@
           <a:p>
             <a:fld id="{F7E21593-AEF4-2045-BB31-B95C21131DEA}" type="datetimeFigureOut">
               <a:rPr lang="en-US" smtClean="0"/>
-              <a:t>10/1/20</a:t>
+              <a:t>11/13/20</a:t>
             </a:fld>
             <a:endParaRPr lang="en-US"/>
           </a:p>
@@ -1597,7 +1599,7 @@
           <a:p>
             <a:fld id="{F7E21593-AEF4-2045-BB31-B95C21131DEA}" type="datetimeFigureOut">
               <a:rPr lang="en-US" smtClean="0"/>
-              <a:t>10/1/20</a:t>
+              <a:t>11/13/20</a:t>
             </a:fld>
             <a:endParaRPr lang="en-US"/>
           </a:p>
@@ -1964,7 +1966,7 @@
           <a:p>
             <a:fld id="{F7E21593-AEF4-2045-BB31-B95C21131DEA}" type="datetimeFigureOut">
               <a:rPr lang="en-US" smtClean="0"/>
-              <a:t>10/1/20</a:t>
+              <a:t>11/13/20</a:t>
             </a:fld>
             <a:endParaRPr lang="en-US"/>
           </a:p>
@@ -2082,7 +2084,7 @@
           <a:p>
             <a:fld id="{F7E21593-AEF4-2045-BB31-B95C21131DEA}" type="datetimeFigureOut">
               <a:rPr lang="en-US" smtClean="0"/>
-              <a:t>10/1/20</a:t>
+              <a:t>11/13/20</a:t>
             </a:fld>
             <a:endParaRPr lang="en-US"/>
           </a:p>
@@ -2177,7 +2179,7 @@
           <a:p>
             <a:fld id="{F7E21593-AEF4-2045-BB31-B95C21131DEA}" type="datetimeFigureOut">
               <a:rPr lang="en-US" smtClean="0"/>
-              <a:t>10/1/20</a:t>
+              <a:t>11/13/20</a:t>
             </a:fld>
             <a:endParaRPr lang="en-US"/>
           </a:p>
@@ -2454,7 +2456,7 @@
           <a:p>
             <a:fld id="{F7E21593-AEF4-2045-BB31-B95C21131DEA}" type="datetimeFigureOut">
               <a:rPr lang="en-US" smtClean="0"/>
-              <a:t>10/1/20</a:t>
+              <a:t>11/13/20</a:t>
             </a:fld>
             <a:endParaRPr lang="en-US"/>
           </a:p>
@@ -2707,7 +2709,7 @@
           <a:p>
             <a:fld id="{F7E21593-AEF4-2045-BB31-B95C21131DEA}" type="datetimeFigureOut">
               <a:rPr lang="en-US" smtClean="0"/>
-              <a:t>10/1/20</a:t>
+              <a:t>11/13/20</a:t>
             </a:fld>
             <a:endParaRPr lang="en-US"/>
           </a:p>
@@ -2920,7 +2922,7 @@
           <a:p>
             <a:fld id="{F7E21593-AEF4-2045-BB31-B95C21131DEA}" type="datetimeFigureOut">
               <a:rPr lang="en-US" smtClean="0"/>
-              <a:t>10/1/20</a:t>
+              <a:t>11/13/20</a:t>
             </a:fld>
             <a:endParaRPr lang="en-US"/>
           </a:p>
@@ -3387,11 +3389,7 @@
             </a:pPr>
             <a:r>
               <a:rPr lang="en-GB" dirty="0" smtClean="0"/>
-              <a:t>Writing Programs: </a:t>
-            </a:r>
-            <a:r>
-              <a:rPr lang="en-GB" dirty="0" smtClean="0"/>
-              <a:t>Working with data</a:t>
+              <a:t>Writing Programs: Working with data</a:t>
             </a:r>
             <a:endParaRPr dirty="0"/>
           </a:p>
@@ -3535,458 +3533,181 @@
       </p:grpSpPr>
       <p:sp>
         <p:nvSpPr>
-          <p:cNvPr id="11" name="TextBox 10"/>
-          <p:cNvSpPr txBox="1"/>
-          <p:nvPr/>
-        </p:nvSpPr>
-        <p:spPr>
-          <a:xfrm>
-            <a:off x="606055" y="446567"/>
-            <a:ext cx="6996224" cy="584775"/>
+          <p:cNvPr id="119" name="Introduction to Computer Programming Lecture 2:…"/>
+          <p:cNvSpPr txBox="1">
+            <a:spLocks noGrp="1"/>
+          </p:cNvSpPr>
+          <p:nvPr>
+            <p:ph type="ctrTitle"/>
+          </p:nvPr>
+        </p:nvSpPr>
+        <p:spPr>
+          <a:xfrm>
+            <a:off x="2761295" y="2094951"/>
+            <a:ext cx="6508990" cy="1741289"/>
           </a:xfrm>
           <a:prstGeom prst="rect">
             <a:avLst/>
           </a:prstGeom>
-          <a:noFill/>
-        </p:spPr>
-        <p:txBody>
-          <a:bodyPr wrap="square" rtlCol="0">
-            <a:spAutoFit/>
+        </p:spPr>
+        <p:txBody>
+          <a:bodyPr>
+            <a:normAutofit fontScale="90000"/>
           </a:bodyPr>
           <a:lstStyle/>
           <a:p>
-            <a:r>
-              <a:rPr lang="en-US" sz="3200" dirty="0" smtClean="0"/>
-              <a:t>Example: Iris data set</a:t>
-            </a:r>
-            <a:endParaRPr lang="en-US" sz="3200" dirty="0"/>
-          </a:p>
-        </p:txBody>
-      </p:sp>
-      <p:sp>
-        <p:nvSpPr>
-          <p:cNvPr id="12" name="TextBox 11"/>
+            <a:pPr defTabSz="160191">
+              <a:defRPr sz="4160"/>
+            </a:pPr>
+            <a:r>
+              <a:rPr dirty="0"/>
+              <a:t>Introduction to Computer Programming Lecture </a:t>
+            </a:r>
+            <a:r>
+              <a:rPr lang="en-GB" dirty="0" smtClean="0"/>
+              <a:t>10.1.a</a:t>
+            </a:r>
+            <a:r>
+              <a:rPr dirty="0" smtClean="0"/>
+              <a:t>:</a:t>
+            </a:r>
+            <a:endParaRPr dirty="0"/>
+          </a:p>
+          <a:p>
+            <a:pPr defTabSz="160191">
+              <a:defRPr sz="4160"/>
+            </a:pPr>
+            <a:r>
+              <a:rPr dirty="0"/>
+              <a:t> </a:t>
+            </a:r>
+          </a:p>
+          <a:p>
+            <a:pPr defTabSz="160191">
+              <a:defRPr sz="4160" b="1">
+                <a:latin typeface="Helvetica"/>
+                <a:ea typeface="Helvetica"/>
+                <a:cs typeface="Helvetica"/>
+                <a:sym typeface="Helvetica"/>
+              </a:defRPr>
+            </a:pPr>
+            <a:r>
+              <a:rPr lang="en-GB" dirty="0" smtClean="0"/>
+              <a:t>Object Oriented Programming with Classes</a:t>
+            </a:r>
+            <a:endParaRPr dirty="0"/>
+          </a:p>
+        </p:txBody>
+      </p:sp>
+      <p:sp>
+        <p:nvSpPr>
+          <p:cNvPr id="120" name="Department of Engineering Mathematics"/>
           <p:cNvSpPr txBox="1"/>
           <p:nvPr/>
         </p:nvSpPr>
         <p:spPr>
           <a:xfrm>
-            <a:off x="606055" y="1054770"/>
-            <a:ext cx="9016410" cy="400110"/>
+            <a:off x="3256516" y="4540323"/>
+            <a:ext cx="5518548" cy="596057"/>
           </a:xfrm>
           <a:prstGeom prst="rect">
             <a:avLst/>
           </a:prstGeom>
-          <a:noFill/>
-        </p:spPr>
-        <p:txBody>
-          <a:bodyPr wrap="square" rtlCol="0">
-            <a:spAutoFit/>
+          <a:ln w="12700">
+            <a:miter lim="400000"/>
+          </a:ln>
+          <a:extLst>
+            <a:ext uri="{C572A759-6A51-4108-AA02-DFA0A04FC94B}">
+              <ma14:wrappingTextBoxFlag xmlns:ma14="http://schemas.microsoft.com/office/mac/drawingml/2011/main" val="1"/>
+            </a:ext>
+          </a:extLst>
+        </p:spPr>
+        <p:txBody>
+          <a:bodyPr lIns="26789" tIns="26789" rIns="26789" bIns="26789">
+            <a:normAutofit/>
           </a:bodyPr>
           <a:lstStyle/>
           <a:p>
-            <a:r>
-              <a:rPr lang="en-US" sz="2000" dirty="0" smtClean="0"/>
-              <a:t>You are working in a lab where data is collected on </a:t>
-            </a:r>
-            <a:r>
-              <a:rPr lang="en-US" sz="2000" dirty="0"/>
-              <a:t>iris flower </a:t>
-            </a:r>
-            <a:r>
-              <a:rPr lang="en-US" sz="2000" dirty="0" smtClean="0"/>
-              <a:t> samples. </a:t>
-            </a:r>
-            <a:endParaRPr lang="en-US" sz="2000" dirty="0"/>
-          </a:p>
-        </p:txBody>
-      </p:sp>
-      <p:pic>
-        <p:nvPicPr>
-          <p:cNvPr id="2050" name="Picture 2" descr="lipart Of Iris Flower Graphic Free Library Orris Root - Iris Clip A"/>
-          <p:cNvPicPr>
-            <a:picLocks noChangeAspect="1" noChangeArrowheads="1"/>
-          </p:cNvPicPr>
+            <a:pPr algn="ctr" defTabSz="166353">
+              <a:defRPr sz="2268"/>
+            </a:pPr>
+            <a:r>
+              <a:rPr sz="1196" dirty="0"/>
+              <a:t>Department of Engineering Mathematics</a:t>
+            </a:r>
+          </a:p>
+          <a:p>
+            <a:pPr algn="ctr" defTabSz="166353">
+              <a:defRPr sz="2268"/>
+            </a:pPr>
+            <a:endParaRPr sz="1196" dirty="0"/>
+          </a:p>
+        </p:txBody>
+      </p:sp>
+      <p:sp>
+        <p:nvSpPr>
+          <p:cNvPr id="122" name="Helmut Hauser"/>
+          <p:cNvSpPr txBox="1"/>
           <p:nvPr/>
-        </p:nvPicPr>
-        <p:blipFill>
-          <a:blip r:embed="rId2">
-            <a:extLst>
-              <a:ext uri="{28A0092B-C50C-407E-A947-70E740481C1C}">
-                <a14:useLocalDpi xmlns:a14="http://schemas.microsoft.com/office/drawing/2010/main" val="0"/>
-              </a:ext>
-            </a:extLst>
-          </a:blip>
-          <a:srcRect/>
-          <a:stretch>
-            <a:fillRect/>
-          </a:stretch>
-        </p:blipFill>
-        <p:spPr bwMode="auto">
-          <a:xfrm>
-            <a:off x="12323134" y="0"/>
-            <a:ext cx="2216001" cy="3156513"/>
+        </p:nvSpPr>
+        <p:spPr>
+          <a:xfrm>
+            <a:off x="3363673" y="4186484"/>
+            <a:ext cx="5518548" cy="596057"/>
           </a:xfrm>
           <a:prstGeom prst="rect">
             <a:avLst/>
           </a:prstGeom>
-          <a:noFill/>
+          <a:ln w="12700">
+            <a:miter lim="400000"/>
+          </a:ln>
           <a:extLst>
-            <a:ext uri="{909E8E84-426E-40DD-AFC4-6F175D3DCCD1}">
-              <a14:hiddenFill xmlns:a14="http://schemas.microsoft.com/office/drawing/2010/main">
-                <a:solidFill>
-                  <a:srgbClr val="FFFFFF"/>
-                </a:solidFill>
-              </a14:hiddenFill>
+            <a:ext uri="{C572A759-6A51-4108-AA02-DFA0A04FC94B}">
+              <ma14:wrappingTextBoxFlag xmlns:ma14="http://schemas.microsoft.com/office/mac/drawingml/2011/main" val="1"/>
             </a:ext>
           </a:extLst>
         </p:spPr>
-      </p:pic>
-      <p:pic>
-        <p:nvPicPr>
-          <p:cNvPr id="2052" name="Picture 4" descr="ree Purple Iris Png, Download Free Clip Art, Free Clip Art on Clipart "/>
-          <p:cNvPicPr>
-            <a:picLocks noChangeAspect="1" noChangeArrowheads="1"/>
-          </p:cNvPicPr>
-          <p:nvPr/>
-        </p:nvPicPr>
-        <p:blipFill>
-          <a:blip r:embed="rId3">
-            <a:extLst>
-              <a:ext uri="{28A0092B-C50C-407E-A947-70E740481C1C}">
-                <a14:useLocalDpi xmlns:a14="http://schemas.microsoft.com/office/drawing/2010/main" val="0"/>
-              </a:ext>
-            </a:extLst>
-          </a:blip>
-          <a:srcRect/>
-          <a:stretch>
-            <a:fillRect/>
-          </a:stretch>
-        </p:blipFill>
-        <p:spPr bwMode="auto">
-          <a:xfrm>
-            <a:off x="8119066" y="738954"/>
-            <a:ext cx="3219450" cy="4876800"/>
-          </a:xfrm>
-          <a:prstGeom prst="rect">
-            <a:avLst/>
-          </a:prstGeom>
-          <a:noFill/>
-          <a:extLst>
-            <a:ext uri="{909E8E84-426E-40DD-AFC4-6F175D3DCCD1}">
-              <a14:hiddenFill xmlns:a14="http://schemas.microsoft.com/office/drawing/2010/main">
-                <a:solidFill>
-                  <a:srgbClr val="FFFFFF"/>
-                </a:solidFill>
-              </a14:hiddenFill>
-            </a:ext>
-          </a:extLst>
-        </p:spPr>
-      </p:pic>
-      <p:pic>
-        <p:nvPicPr>
-          <p:cNvPr id="13" name="Picture 12"/>
-          <p:cNvPicPr>
-            <a:picLocks noChangeAspect="1"/>
-          </p:cNvPicPr>
-          <p:nvPr/>
-        </p:nvPicPr>
-        <p:blipFill>
-          <a:blip r:embed="rId4"/>
-          <a:stretch>
-            <a:fillRect/>
-          </a:stretch>
-        </p:blipFill>
-        <p:spPr>
-          <a:xfrm>
-            <a:off x="709724" y="1897233"/>
-            <a:ext cx="4062117" cy="4037498"/>
-          </a:xfrm>
-          <a:prstGeom prst="rect">
-            <a:avLst/>
-          </a:prstGeom>
-        </p:spPr>
-      </p:pic>
-      <p:sp>
-        <p:nvSpPr>
-          <p:cNvPr id="18" name="Rounded Rectangle 17"/>
-          <p:cNvSpPr/>
-          <p:nvPr/>
-        </p:nvSpPr>
-        <p:spPr>
-          <a:xfrm>
-            <a:off x="3338623" y="1722474"/>
-            <a:ext cx="1233377" cy="467833"/>
-          </a:xfrm>
-          <a:prstGeom prst="roundRect">
-            <a:avLst/>
-          </a:prstGeom>
-          <a:noFill/>
-          <a:ln w="38100">
-            <a:solidFill>
-              <a:schemeClr val="accent2"/>
-            </a:solidFill>
-          </a:ln>
-        </p:spPr>
-        <p:style>
-          <a:lnRef idx="2">
-            <a:schemeClr val="accent1">
-              <a:shade val="50000"/>
-            </a:schemeClr>
-          </a:lnRef>
-          <a:fillRef idx="1">
-            <a:schemeClr val="accent1"/>
-          </a:fillRef>
-          <a:effectRef idx="0">
-            <a:schemeClr val="accent1"/>
-          </a:effectRef>
-          <a:fontRef idx="minor">
-            <a:schemeClr val="lt1"/>
-          </a:fontRef>
-        </p:style>
-        <p:txBody>
-          <a:bodyPr rtlCol="0" anchor="ctr"/>
-          <a:lstStyle/>
-          <a:p>
-            <a:pPr algn="ctr"/>
-            <a:endParaRPr lang="en-US"/>
-          </a:p>
-        </p:txBody>
-      </p:sp>
-      <p:sp>
-        <p:nvSpPr>
-          <p:cNvPr id="25" name="Rounded Rectangle 24"/>
-          <p:cNvSpPr/>
-          <p:nvPr/>
-        </p:nvSpPr>
-        <p:spPr>
-          <a:xfrm>
-            <a:off x="766098" y="3306038"/>
-            <a:ext cx="2572525" cy="467833"/>
-          </a:xfrm>
-          <a:prstGeom prst="roundRect">
-            <a:avLst/>
-          </a:prstGeom>
-          <a:noFill/>
-          <a:ln w="38100">
-            <a:solidFill>
-              <a:schemeClr val="accent2"/>
-            </a:solidFill>
-          </a:ln>
-        </p:spPr>
-        <p:style>
-          <a:lnRef idx="2">
-            <a:schemeClr val="accent1">
-              <a:shade val="50000"/>
-            </a:schemeClr>
-          </a:lnRef>
-          <a:fillRef idx="1">
-            <a:schemeClr val="accent1"/>
-          </a:fillRef>
-          <a:effectRef idx="0">
-            <a:schemeClr val="accent1"/>
-          </a:effectRef>
-          <a:fontRef idx="minor">
-            <a:schemeClr val="lt1"/>
-          </a:fontRef>
-        </p:style>
-        <p:txBody>
-          <a:bodyPr rtlCol="0" anchor="ctr"/>
-          <a:lstStyle/>
-          <a:p>
-            <a:pPr algn="ctr"/>
-            <a:endParaRPr lang="en-US"/>
-          </a:p>
-        </p:txBody>
-      </p:sp>
-      <p:cxnSp>
-        <p:nvCxnSpPr>
-          <p:cNvPr id="23" name="Straight Connector 22"/>
-          <p:cNvCxnSpPr>
-            <a:stCxn id="18" idx="3"/>
-          </p:cNvCxnSpPr>
-          <p:nvPr/>
-        </p:nvCxnSpPr>
-        <p:spPr>
-          <a:xfrm>
-            <a:off x="4572000" y="1956391"/>
-            <a:ext cx="1605516" cy="1200122"/>
-          </a:xfrm>
-          <a:prstGeom prst="line">
-            <a:avLst/>
-          </a:prstGeom>
-          <a:ln>
-            <a:solidFill>
-              <a:schemeClr val="accent2"/>
-            </a:solidFill>
-          </a:ln>
-        </p:spPr>
-        <p:style>
-          <a:lnRef idx="1">
-            <a:schemeClr val="accent1"/>
-          </a:lnRef>
-          <a:fillRef idx="0">
-            <a:schemeClr val="accent1"/>
-          </a:fillRef>
-          <a:effectRef idx="0">
-            <a:schemeClr val="accent1"/>
-          </a:effectRef>
-          <a:fontRef idx="minor">
-            <a:schemeClr val="tx1"/>
-          </a:fontRef>
-        </p:style>
-      </p:cxnSp>
-      <p:cxnSp>
-        <p:nvCxnSpPr>
-          <p:cNvPr id="28" name="Straight Connector 27"/>
-          <p:cNvCxnSpPr/>
-          <p:nvPr/>
-        </p:nvCxnSpPr>
-        <p:spPr>
-          <a:xfrm>
-            <a:off x="3355678" y="3539954"/>
-            <a:ext cx="2821838" cy="1351023"/>
-          </a:xfrm>
-          <a:prstGeom prst="line">
-            <a:avLst/>
-          </a:prstGeom>
-          <a:ln>
-            <a:solidFill>
-              <a:schemeClr val="accent2"/>
-            </a:solidFill>
-          </a:ln>
-        </p:spPr>
-        <p:style>
-          <a:lnRef idx="1">
-            <a:schemeClr val="accent1"/>
-          </a:lnRef>
-          <a:fillRef idx="0">
-            <a:schemeClr val="accent1"/>
-          </a:fillRef>
-          <a:effectRef idx="0">
-            <a:schemeClr val="accent1"/>
-          </a:effectRef>
-          <a:fontRef idx="minor">
-            <a:schemeClr val="tx1"/>
-          </a:fontRef>
-        </p:style>
-      </p:cxnSp>
-      <p:sp>
-        <p:nvSpPr>
-          <p:cNvPr id="26" name="TextBox 25"/>
-          <p:cNvSpPr txBox="1"/>
-          <p:nvPr/>
-        </p:nvSpPr>
-        <p:spPr>
-          <a:xfrm>
-            <a:off x="5246540" y="3144769"/>
-            <a:ext cx="3387577" cy="369332"/>
-          </a:xfrm>
-          <a:prstGeom prst="rect">
-            <a:avLst/>
-          </a:prstGeom>
-          <a:noFill/>
-        </p:spPr>
-        <p:txBody>
-          <a:bodyPr wrap="square" rtlCol="0">
-            <a:spAutoFit/>
+        <p:txBody>
+          <a:bodyPr lIns="26789" tIns="26789" rIns="26789" bIns="26789">
+            <a:normAutofit/>
           </a:bodyPr>
           <a:lstStyle/>
           <a:p>
-            <a:r>
-              <a:rPr lang="en-US" dirty="0" smtClean="0"/>
-              <a:t>.csv file for each </a:t>
-            </a:r>
-            <a:r>
-              <a:rPr lang="en-US" smtClean="0"/>
-              <a:t>iris species </a:t>
-            </a:r>
-            <a:endParaRPr lang="en-US" dirty="0"/>
-          </a:p>
-        </p:txBody>
-      </p:sp>
-      <p:sp>
-        <p:nvSpPr>
-          <p:cNvPr id="31" name="TextBox 30"/>
-          <p:cNvSpPr txBox="1"/>
-          <p:nvPr/>
-        </p:nvSpPr>
-        <p:spPr>
-          <a:xfrm>
-            <a:off x="5214200" y="4917254"/>
-            <a:ext cx="3961698" cy="1754326"/>
-          </a:xfrm>
-          <a:prstGeom prst="rect">
-            <a:avLst/>
-          </a:prstGeom>
-          <a:noFill/>
-        </p:spPr>
-        <p:txBody>
-          <a:bodyPr wrap="square" rtlCol="0">
-            <a:spAutoFit/>
-          </a:bodyPr>
-          <a:lstStyle/>
-          <a:p>
-            <a:r>
-              <a:rPr lang="en-US" dirty="0" smtClean="0"/>
-              <a:t>Four measurements for each sample:</a:t>
-            </a:r>
-          </a:p>
-          <a:p>
-            <a:pPr marL="742950" lvl="1" indent="-285750">
-              <a:buFont typeface="Arial" charset="0"/>
-              <a:buChar char="•"/>
+            <a:pPr algn="ctr" defTabSz="166353">
+              <a:defRPr sz="3294"/>
             </a:pPr>
             <a:r>
-              <a:rPr lang="en-US" dirty="0" smtClean="0"/>
-              <a:t>Sepal length</a:t>
-            </a:r>
-          </a:p>
-          <a:p>
-            <a:pPr marL="742950" lvl="1" indent="-285750">
-              <a:buFont typeface="Arial" charset="0"/>
-              <a:buChar char="•"/>
+              <a:rPr lang="en-GB" sz="1737" dirty="0"/>
+              <a:t>Hemma Philamore </a:t>
+            </a:r>
+            <a:endParaRPr sz="1737" dirty="0"/>
+          </a:p>
+          <a:p>
+            <a:pPr algn="ctr" defTabSz="166353">
+              <a:defRPr sz="1728"/>
             </a:pPr>
-            <a:r>
-              <a:rPr lang="en-US" dirty="0" smtClean="0"/>
-              <a:t>Sepal width</a:t>
-            </a:r>
-          </a:p>
-          <a:p>
-            <a:pPr marL="742950" lvl="1" indent="-285750">
-              <a:buFont typeface="Arial" charset="0"/>
-              <a:buChar char="•"/>
-            </a:pPr>
-            <a:r>
-              <a:rPr lang="en-US" dirty="0" smtClean="0"/>
-              <a:t>Petal length</a:t>
-            </a:r>
-          </a:p>
-          <a:p>
-            <a:pPr marL="742950" lvl="1" indent="-285750">
-              <a:buFont typeface="Arial" charset="0"/>
-              <a:buChar char="•"/>
-            </a:pPr>
-            <a:r>
-              <a:rPr lang="en-US" dirty="0" smtClean="0"/>
-              <a:t>Petal width</a:t>
-            </a:r>
-          </a:p>
-          <a:p>
-            <a:endParaRPr lang="en-US" dirty="0"/>
+            <a:endParaRPr sz="911" dirty="0"/>
           </a:p>
         </p:txBody>
       </p:sp>
     </p:spTree>
     <p:extLst>
       <p:ext uri="{BB962C8B-B14F-4D97-AF65-F5344CB8AC3E}">
-        <p14:creationId xmlns:p14="http://schemas.microsoft.com/office/powerpoint/2010/main" val="451027627"/>
+        <p14:creationId xmlns:p14="http://schemas.microsoft.com/office/powerpoint/2010/main" val="1194304788"/>
       </p:ext>
     </p:extLst>
   </p:cSld>
   <p:clrMapOvr>
     <a:masterClrMapping/>
   </p:clrMapOvr>
+  <mc:AlternateContent xmlns:mc="http://schemas.openxmlformats.org/markup-compatibility/2006" xmlns:p14="http://schemas.microsoft.com/office/powerpoint/2010/main">
+    <mc:Choice Requires="p14">
+      <p:transition spd="slow" p14:dur="2000"/>
+    </mc:Choice>
+    <mc:Fallback xmlns="">
+      <p:transition spd="slow"/>
+    </mc:Fallback>
+  </mc:AlternateContent>
   <p:timing>
     <p:tnLst>
       <p:par>
@@ -4016,24 +3737,19 @@
       </p:grpSpPr>
       <p:sp>
         <p:nvSpPr>
-          <p:cNvPr id="2" name="TextBox 1"/>
+          <p:cNvPr id="11" name="TextBox 10"/>
           <p:cNvSpPr txBox="1"/>
           <p:nvPr/>
         </p:nvSpPr>
         <p:spPr>
           <a:xfrm>
-            <a:off x="7971961" y="633549"/>
-            <a:ext cx="1474237" cy="369332"/>
+            <a:off x="606055" y="446567"/>
+            <a:ext cx="6996224" cy="584775"/>
           </a:xfrm>
           <a:prstGeom prst="rect">
             <a:avLst/>
           </a:prstGeom>
-          <a:solidFill>
-            <a:schemeClr val="accent6">
-              <a:lumMod val="20000"/>
-              <a:lumOff val="80000"/>
-            </a:schemeClr>
-          </a:solidFill>
+          <a:noFill/>
         </p:spPr>
         <p:txBody>
           <a:bodyPr wrap="square" rtlCol="0">
@@ -4041,35 +3757,29 @@
           </a:bodyPr>
           <a:lstStyle/>
           <a:p>
-            <a:pPr algn="ctr"/>
-            <a:r>
-              <a:rPr lang="en-US" smtClean="0"/>
-              <a:t>Start</a:t>
-            </a:r>
-            <a:endParaRPr lang="en-US"/>
-          </a:p>
-        </p:txBody>
-      </p:sp>
-      <p:sp>
-        <p:nvSpPr>
-          <p:cNvPr id="4" name="TextBox 3"/>
+            <a:r>
+              <a:rPr lang="en-US" sz="3200" dirty="0" smtClean="0"/>
+              <a:t>Example: Iris data set</a:t>
+            </a:r>
+            <a:endParaRPr lang="en-US" sz="3200" dirty="0"/>
+          </a:p>
+        </p:txBody>
+      </p:sp>
+      <p:sp>
+        <p:nvSpPr>
+          <p:cNvPr id="12" name="TextBox 11"/>
           <p:cNvSpPr txBox="1"/>
           <p:nvPr/>
         </p:nvSpPr>
         <p:spPr>
           <a:xfrm>
-            <a:off x="7343883" y="1355501"/>
-            <a:ext cx="2799185" cy="369332"/>
+            <a:off x="606055" y="1054770"/>
+            <a:ext cx="9016410" cy="400110"/>
           </a:xfrm>
           <a:prstGeom prst="rect">
             <a:avLst/>
           </a:prstGeom>
-          <a:solidFill>
-            <a:schemeClr val="accent6">
-              <a:lumMod val="20000"/>
-              <a:lumOff val="80000"/>
-            </a:schemeClr>
-          </a:solidFill>
+          <a:noFill/>
         </p:spPr>
         <p:txBody>
           <a:bodyPr wrap="square" rtlCol="0">
@@ -4077,117 +3787,148 @@
           </a:bodyPr>
           <a:lstStyle/>
           <a:p>
-            <a:pPr algn="ctr"/>
-            <a:r>
-              <a:rPr lang="en-US" dirty="0" smtClean="0"/>
-              <a:t>﻿</a:t>
-            </a:r>
-            <a:r>
-              <a:rPr lang="en-US" dirty="0" smtClean="0"/>
-              <a:t>Open file</a:t>
-            </a:r>
-            <a:endParaRPr lang="en-US" dirty="0"/>
-          </a:p>
-        </p:txBody>
-      </p:sp>
-      <p:sp>
-        <p:nvSpPr>
-          <p:cNvPr id="5" name="TextBox 4"/>
-          <p:cNvSpPr txBox="1"/>
+            <a:r>
+              <a:rPr lang="en-US" sz="2000" dirty="0" smtClean="0"/>
+              <a:t>You are working in a lab where data is collected on </a:t>
+            </a:r>
+            <a:r>
+              <a:rPr lang="en-US" sz="2000" dirty="0"/>
+              <a:t>iris flower </a:t>
+            </a:r>
+            <a:r>
+              <a:rPr lang="en-US" sz="2000" dirty="0" smtClean="0"/>
+              <a:t> samples. </a:t>
+            </a:r>
+            <a:endParaRPr lang="en-US" sz="2000" dirty="0"/>
+          </a:p>
+        </p:txBody>
+      </p:sp>
+      <p:pic>
+        <p:nvPicPr>
+          <p:cNvPr id="2050" name="Picture 2" descr="lipart Of Iris Flower Graphic Free Library Orris Root - Iris Clip A"/>
+          <p:cNvPicPr>
+            <a:picLocks noChangeAspect="1" noChangeArrowheads="1"/>
+          </p:cNvPicPr>
           <p:nvPr/>
-        </p:nvSpPr>
-        <p:spPr>
-          <a:xfrm>
-            <a:off x="7189927" y="2094976"/>
-            <a:ext cx="3107098" cy="369332"/>
+        </p:nvPicPr>
+        <p:blipFill>
+          <a:blip r:embed="rId2">
+            <a:extLst>
+              <a:ext uri="{28A0092B-C50C-407E-A947-70E740481C1C}">
+                <a14:useLocalDpi xmlns:a14="http://schemas.microsoft.com/office/drawing/2010/main" val="0"/>
+              </a:ext>
+            </a:extLst>
+          </a:blip>
+          <a:srcRect/>
+          <a:stretch>
+            <a:fillRect/>
+          </a:stretch>
+        </p:blipFill>
+        <p:spPr bwMode="auto">
+          <a:xfrm>
+            <a:off x="12323134" y="0"/>
+            <a:ext cx="2216001" cy="3156513"/>
           </a:xfrm>
           <a:prstGeom prst="rect">
             <a:avLst/>
           </a:prstGeom>
-          <a:solidFill>
-            <a:schemeClr val="accent6">
-              <a:lumMod val="20000"/>
-              <a:lumOff val="80000"/>
-            </a:schemeClr>
-          </a:solidFill>
-        </p:spPr>
-        <p:txBody>
-          <a:bodyPr wrap="square" rtlCol="0">
-            <a:spAutoFit/>
-          </a:bodyPr>
-          <a:lstStyle/>
-          <a:p>
-            <a:pPr algn="ctr"/>
-            <a:r>
-              <a:rPr lang="en-US" dirty="0" smtClean="0"/>
-              <a:t>﻿﻿</a:t>
-            </a:r>
-            <a:r>
-              <a:rPr lang="en-US" dirty="0"/>
-              <a:t>C</a:t>
-            </a:r>
-            <a:r>
-              <a:rPr lang="en-US" dirty="0" smtClean="0"/>
-              <a:t>ontents to data structure</a:t>
-            </a:r>
-            <a:endParaRPr lang="en-US" dirty="0"/>
-          </a:p>
-        </p:txBody>
-      </p:sp>
-      <p:sp>
-        <p:nvSpPr>
-          <p:cNvPr id="6" name="TextBox 5"/>
-          <p:cNvSpPr txBox="1"/>
+          <a:noFill/>
+          <a:extLst>
+            <a:ext uri="{909E8E84-426E-40DD-AFC4-6F175D3DCCD1}">
+              <a14:hiddenFill xmlns:a14="http://schemas.microsoft.com/office/drawing/2010/main">
+                <a:solidFill>
+                  <a:srgbClr val="FFFFFF"/>
+                </a:solidFill>
+              </a14:hiddenFill>
+            </a:ext>
+          </a:extLst>
+        </p:spPr>
+      </p:pic>
+      <p:pic>
+        <p:nvPicPr>
+          <p:cNvPr id="2052" name="Picture 4" descr="ree Purple Iris Png, Download Free Clip Art, Free Clip Art on Clipart "/>
+          <p:cNvPicPr>
+            <a:picLocks noChangeAspect="1" noChangeArrowheads="1"/>
+          </p:cNvPicPr>
           <p:nvPr/>
-        </p:nvSpPr>
-        <p:spPr>
-          <a:xfrm>
-            <a:off x="7343882" y="2833640"/>
-            <a:ext cx="2799185" cy="646331"/>
+        </p:nvPicPr>
+        <p:blipFill>
+          <a:blip r:embed="rId3">
+            <a:extLst>
+              <a:ext uri="{28A0092B-C50C-407E-A947-70E740481C1C}">
+                <a14:useLocalDpi xmlns:a14="http://schemas.microsoft.com/office/drawing/2010/main" val="0"/>
+              </a:ext>
+            </a:extLst>
+          </a:blip>
+          <a:srcRect/>
+          <a:stretch>
+            <a:fillRect/>
+          </a:stretch>
+        </p:blipFill>
+        <p:spPr bwMode="auto">
+          <a:xfrm>
+            <a:off x="8119066" y="738954"/>
+            <a:ext cx="3219450" cy="4876800"/>
           </a:xfrm>
           <a:prstGeom prst="rect">
             <a:avLst/>
           </a:prstGeom>
-          <a:solidFill>
-            <a:schemeClr val="accent6">
-              <a:lumMod val="20000"/>
-              <a:lumOff val="80000"/>
-            </a:schemeClr>
-          </a:solidFill>
-        </p:spPr>
-        <p:txBody>
-          <a:bodyPr wrap="square" rtlCol="0">
-            <a:spAutoFit/>
-          </a:bodyPr>
-          <a:lstStyle/>
-          <a:p>
-            <a:pPr algn="ctr"/>
-            <a:r>
-              <a:rPr lang="en-US" dirty="0" smtClean="0"/>
-              <a:t>﻿</a:t>
-            </a:r>
-            <a:r>
-              <a:rPr lang="en-US" dirty="0" smtClean="0"/>
-              <a:t>Separate headings and numerical data</a:t>
-            </a:r>
-            <a:endParaRPr lang="en-US" dirty="0"/>
-          </a:p>
-        </p:txBody>
-      </p:sp>
-      <p:sp>
-        <p:nvSpPr>
-          <p:cNvPr id="21" name="Down Arrow 20"/>
+          <a:noFill/>
+          <a:extLst>
+            <a:ext uri="{909E8E84-426E-40DD-AFC4-6F175D3DCCD1}">
+              <a14:hiddenFill xmlns:a14="http://schemas.microsoft.com/office/drawing/2010/main">
+                <a:solidFill>
+                  <a:srgbClr val="FFFFFF"/>
+                </a:solidFill>
+              </a14:hiddenFill>
+            </a:ext>
+          </a:extLst>
+        </p:spPr>
+      </p:pic>
+      <p:pic>
+        <p:nvPicPr>
+          <p:cNvPr id="13" name="Picture 12"/>
+          <p:cNvPicPr>
+            <a:picLocks noChangeAspect="1"/>
+          </p:cNvPicPr>
+          <p:nvPr/>
+        </p:nvPicPr>
+        <p:blipFill>
+          <a:blip r:embed="rId4"/>
+          <a:stretch>
+            <a:fillRect/>
+          </a:stretch>
+        </p:blipFill>
+        <p:spPr>
+          <a:xfrm>
+            <a:off x="709724" y="1897233"/>
+            <a:ext cx="4062117" cy="4037498"/>
+          </a:xfrm>
+          <a:prstGeom prst="rect">
+            <a:avLst/>
+          </a:prstGeom>
+        </p:spPr>
+      </p:pic>
+      <p:sp>
+        <p:nvSpPr>
+          <p:cNvPr id="18" name="Rounded Rectangle 17"/>
           <p:cNvSpPr/>
           <p:nvPr/>
         </p:nvSpPr>
         <p:spPr>
           <a:xfrm>
-            <a:off x="8597170" y="968647"/>
-            <a:ext cx="292608" cy="369332"/>
-          </a:xfrm>
-          <a:prstGeom prst="downArrow">
+            <a:off x="3338623" y="1722474"/>
+            <a:ext cx="1233377" cy="467833"/>
+          </a:xfrm>
+          <a:prstGeom prst="roundRect">
             <a:avLst/>
           </a:prstGeom>
+          <a:noFill/>
+          <a:ln w="38100">
+            <a:solidFill>
+              <a:schemeClr val="accent2"/>
+            </a:solidFill>
+          </a:ln>
         </p:spPr>
         <p:style>
           <a:lnRef idx="2">
@@ -4216,18 +3957,24 @@
       </p:sp>
       <p:sp>
         <p:nvSpPr>
-          <p:cNvPr id="22" name="Down Arrow 21"/>
+          <p:cNvPr id="25" name="Rounded Rectangle 24"/>
           <p:cNvSpPr/>
           <p:nvPr/>
         </p:nvSpPr>
         <p:spPr>
           <a:xfrm>
-            <a:off x="8565554" y="1725644"/>
-            <a:ext cx="292608" cy="369332"/>
-          </a:xfrm>
-          <a:prstGeom prst="downArrow">
+            <a:off x="766098" y="3306038"/>
+            <a:ext cx="2572525" cy="467833"/>
+          </a:xfrm>
+          <a:prstGeom prst="roundRect">
             <a:avLst/>
           </a:prstGeom>
+          <a:noFill/>
+          <a:ln w="38100">
+            <a:solidFill>
+              <a:schemeClr val="accent2"/>
+            </a:solidFill>
+          </a:ln>
         </p:spPr>
         <p:style>
           <a:lnRef idx="2">
@@ -4254,15 +4001,382 @@
           </a:p>
         </p:txBody>
       </p:sp>
-      <p:sp>
-        <p:nvSpPr>
-          <p:cNvPr id="23" name="Down Arrow 22"/>
+      <p:cxnSp>
+        <p:nvCxnSpPr>
+          <p:cNvPr id="23" name="Straight Connector 22"/>
+          <p:cNvCxnSpPr>
+            <a:stCxn id="18" idx="3"/>
+          </p:cNvCxnSpPr>
+          <p:nvPr/>
+        </p:nvCxnSpPr>
+        <p:spPr>
+          <a:xfrm>
+            <a:off x="4572000" y="1956391"/>
+            <a:ext cx="1605516" cy="1200122"/>
+          </a:xfrm>
+          <a:prstGeom prst="line">
+            <a:avLst/>
+          </a:prstGeom>
+          <a:ln>
+            <a:solidFill>
+              <a:schemeClr val="accent2"/>
+            </a:solidFill>
+          </a:ln>
+        </p:spPr>
+        <p:style>
+          <a:lnRef idx="1">
+            <a:schemeClr val="accent1"/>
+          </a:lnRef>
+          <a:fillRef idx="0">
+            <a:schemeClr val="accent1"/>
+          </a:fillRef>
+          <a:effectRef idx="0">
+            <a:schemeClr val="accent1"/>
+          </a:effectRef>
+          <a:fontRef idx="minor">
+            <a:schemeClr val="tx1"/>
+          </a:fontRef>
+        </p:style>
+      </p:cxnSp>
+      <p:cxnSp>
+        <p:nvCxnSpPr>
+          <p:cNvPr id="28" name="Straight Connector 27"/>
+          <p:cNvCxnSpPr/>
+          <p:nvPr/>
+        </p:nvCxnSpPr>
+        <p:spPr>
+          <a:xfrm>
+            <a:off x="3355678" y="3539954"/>
+            <a:ext cx="2821838" cy="1351023"/>
+          </a:xfrm>
+          <a:prstGeom prst="line">
+            <a:avLst/>
+          </a:prstGeom>
+          <a:ln>
+            <a:solidFill>
+              <a:schemeClr val="accent2"/>
+            </a:solidFill>
+          </a:ln>
+        </p:spPr>
+        <p:style>
+          <a:lnRef idx="1">
+            <a:schemeClr val="accent1"/>
+          </a:lnRef>
+          <a:fillRef idx="0">
+            <a:schemeClr val="accent1"/>
+          </a:fillRef>
+          <a:effectRef idx="0">
+            <a:schemeClr val="accent1"/>
+          </a:effectRef>
+          <a:fontRef idx="minor">
+            <a:schemeClr val="tx1"/>
+          </a:fontRef>
+        </p:style>
+      </p:cxnSp>
+      <p:sp>
+        <p:nvSpPr>
+          <p:cNvPr id="26" name="TextBox 25"/>
+          <p:cNvSpPr txBox="1"/>
+          <p:nvPr/>
+        </p:nvSpPr>
+        <p:spPr>
+          <a:xfrm>
+            <a:off x="5246540" y="3144769"/>
+            <a:ext cx="3387577" cy="369332"/>
+          </a:xfrm>
+          <a:prstGeom prst="rect">
+            <a:avLst/>
+          </a:prstGeom>
+          <a:noFill/>
+        </p:spPr>
+        <p:txBody>
+          <a:bodyPr wrap="square" rtlCol="0">
+            <a:spAutoFit/>
+          </a:bodyPr>
+          <a:lstStyle/>
+          <a:p>
+            <a:r>
+              <a:rPr lang="en-US" dirty="0" smtClean="0"/>
+              <a:t>.csv file for each </a:t>
+            </a:r>
+            <a:r>
+              <a:rPr lang="en-US" smtClean="0"/>
+              <a:t>iris species </a:t>
+            </a:r>
+            <a:endParaRPr lang="en-US" dirty="0"/>
+          </a:p>
+        </p:txBody>
+      </p:sp>
+      <p:sp>
+        <p:nvSpPr>
+          <p:cNvPr id="31" name="TextBox 30"/>
+          <p:cNvSpPr txBox="1"/>
+          <p:nvPr/>
+        </p:nvSpPr>
+        <p:spPr>
+          <a:xfrm>
+            <a:off x="5214200" y="4917254"/>
+            <a:ext cx="3961698" cy="1754326"/>
+          </a:xfrm>
+          <a:prstGeom prst="rect">
+            <a:avLst/>
+          </a:prstGeom>
+          <a:noFill/>
+        </p:spPr>
+        <p:txBody>
+          <a:bodyPr wrap="square" rtlCol="0">
+            <a:spAutoFit/>
+          </a:bodyPr>
+          <a:lstStyle/>
+          <a:p>
+            <a:r>
+              <a:rPr lang="en-US" dirty="0" smtClean="0"/>
+              <a:t>Four measurements for each sample:</a:t>
+            </a:r>
+          </a:p>
+          <a:p>
+            <a:pPr marL="742950" lvl="1" indent="-285750">
+              <a:buFont typeface="Arial" charset="0"/>
+              <a:buChar char="•"/>
+            </a:pPr>
+            <a:r>
+              <a:rPr lang="en-US" dirty="0" smtClean="0"/>
+              <a:t>Sepal length</a:t>
+            </a:r>
+          </a:p>
+          <a:p>
+            <a:pPr marL="742950" lvl="1" indent="-285750">
+              <a:buFont typeface="Arial" charset="0"/>
+              <a:buChar char="•"/>
+            </a:pPr>
+            <a:r>
+              <a:rPr lang="en-US" dirty="0" smtClean="0"/>
+              <a:t>Sepal width</a:t>
+            </a:r>
+          </a:p>
+          <a:p>
+            <a:pPr marL="742950" lvl="1" indent="-285750">
+              <a:buFont typeface="Arial" charset="0"/>
+              <a:buChar char="•"/>
+            </a:pPr>
+            <a:r>
+              <a:rPr lang="en-US" dirty="0" smtClean="0"/>
+              <a:t>Petal length</a:t>
+            </a:r>
+          </a:p>
+          <a:p>
+            <a:pPr marL="742950" lvl="1" indent="-285750">
+              <a:buFont typeface="Arial" charset="0"/>
+              <a:buChar char="•"/>
+            </a:pPr>
+            <a:r>
+              <a:rPr lang="en-US" dirty="0" smtClean="0"/>
+              <a:t>Petal width</a:t>
+            </a:r>
+          </a:p>
+          <a:p>
+            <a:endParaRPr lang="en-US" dirty="0"/>
+          </a:p>
+        </p:txBody>
+      </p:sp>
+    </p:spTree>
+    <p:extLst>
+      <p:ext uri="{BB962C8B-B14F-4D97-AF65-F5344CB8AC3E}">
+        <p14:creationId xmlns:p14="http://schemas.microsoft.com/office/powerpoint/2010/main" val="451027627"/>
+      </p:ext>
+    </p:extLst>
+  </p:cSld>
+  <p:clrMapOvr>
+    <a:masterClrMapping/>
+  </p:clrMapOvr>
+  <p:timing>
+    <p:tnLst>
+      <p:par>
+        <p:cTn id="1" dur="indefinite" restart="never" nodeType="tmRoot"/>
+      </p:par>
+    </p:tnLst>
+  </p:timing>
+</p:sld>
+</file>
+
+<file path=ppt/slides/slide4.xml><?xml version="1.0" encoding="utf-8"?>
+<p:sld xmlns:a="http://schemas.openxmlformats.org/drawingml/2006/main" xmlns:r="http://schemas.openxmlformats.org/officeDocument/2006/relationships" xmlns:p="http://schemas.openxmlformats.org/presentationml/2006/main">
+  <p:cSld>
+    <p:spTree>
+      <p:nvGrpSpPr>
+        <p:cNvPr id="1" name=""/>
+        <p:cNvGrpSpPr/>
+        <p:nvPr/>
+      </p:nvGrpSpPr>
+      <p:grpSpPr>
+        <a:xfrm>
+          <a:off x="0" y="0"/>
+          <a:ext cx="0" cy="0"/>
+          <a:chOff x="0" y="0"/>
+          <a:chExt cx="0" cy="0"/>
+        </a:xfrm>
+      </p:grpSpPr>
+      <p:sp>
+        <p:nvSpPr>
+          <p:cNvPr id="2" name="TextBox 1"/>
+          <p:cNvSpPr txBox="1"/>
+          <p:nvPr/>
+        </p:nvSpPr>
+        <p:spPr>
+          <a:xfrm>
+            <a:off x="7971961" y="633549"/>
+            <a:ext cx="1474237" cy="369332"/>
+          </a:xfrm>
+          <a:prstGeom prst="rect">
+            <a:avLst/>
+          </a:prstGeom>
+          <a:solidFill>
+            <a:schemeClr val="accent6">
+              <a:lumMod val="20000"/>
+              <a:lumOff val="80000"/>
+            </a:schemeClr>
+          </a:solidFill>
+        </p:spPr>
+        <p:txBody>
+          <a:bodyPr wrap="square" rtlCol="0">
+            <a:spAutoFit/>
+          </a:bodyPr>
+          <a:lstStyle/>
+          <a:p>
+            <a:pPr algn="ctr"/>
+            <a:r>
+              <a:rPr lang="en-US" smtClean="0"/>
+              <a:t>Start</a:t>
+            </a:r>
+            <a:endParaRPr lang="en-US"/>
+          </a:p>
+        </p:txBody>
+      </p:sp>
+      <p:sp>
+        <p:nvSpPr>
+          <p:cNvPr id="4" name="TextBox 3"/>
+          <p:cNvSpPr txBox="1"/>
+          <p:nvPr/>
+        </p:nvSpPr>
+        <p:spPr>
+          <a:xfrm>
+            <a:off x="7343883" y="1355501"/>
+            <a:ext cx="2799185" cy="369332"/>
+          </a:xfrm>
+          <a:prstGeom prst="rect">
+            <a:avLst/>
+          </a:prstGeom>
+          <a:solidFill>
+            <a:schemeClr val="accent6">
+              <a:lumMod val="20000"/>
+              <a:lumOff val="80000"/>
+            </a:schemeClr>
+          </a:solidFill>
+        </p:spPr>
+        <p:txBody>
+          <a:bodyPr wrap="square" rtlCol="0">
+            <a:spAutoFit/>
+          </a:bodyPr>
+          <a:lstStyle/>
+          <a:p>
+            <a:pPr algn="ctr"/>
+            <a:r>
+              <a:rPr lang="en-US" dirty="0" smtClean="0"/>
+              <a:t>﻿Open file</a:t>
+            </a:r>
+            <a:endParaRPr lang="en-US" dirty="0"/>
+          </a:p>
+        </p:txBody>
+      </p:sp>
+      <p:sp>
+        <p:nvSpPr>
+          <p:cNvPr id="5" name="TextBox 4"/>
+          <p:cNvSpPr txBox="1"/>
+          <p:nvPr/>
+        </p:nvSpPr>
+        <p:spPr>
+          <a:xfrm>
+            <a:off x="7189927" y="2094976"/>
+            <a:ext cx="3107098" cy="369332"/>
+          </a:xfrm>
+          <a:prstGeom prst="rect">
+            <a:avLst/>
+          </a:prstGeom>
+          <a:solidFill>
+            <a:schemeClr val="accent6">
+              <a:lumMod val="20000"/>
+              <a:lumOff val="80000"/>
+            </a:schemeClr>
+          </a:solidFill>
+        </p:spPr>
+        <p:txBody>
+          <a:bodyPr wrap="square" rtlCol="0">
+            <a:spAutoFit/>
+          </a:bodyPr>
+          <a:lstStyle/>
+          <a:p>
+            <a:pPr algn="ctr"/>
+            <a:r>
+              <a:rPr lang="en-US" dirty="0" smtClean="0"/>
+              <a:t>﻿﻿</a:t>
+            </a:r>
+            <a:r>
+              <a:rPr lang="en-US" dirty="0"/>
+              <a:t>C</a:t>
+            </a:r>
+            <a:r>
+              <a:rPr lang="en-US" dirty="0" smtClean="0"/>
+              <a:t>ontents to data structure</a:t>
+            </a:r>
+            <a:endParaRPr lang="en-US" dirty="0"/>
+          </a:p>
+        </p:txBody>
+      </p:sp>
+      <p:sp>
+        <p:nvSpPr>
+          <p:cNvPr id="6" name="TextBox 5"/>
+          <p:cNvSpPr txBox="1"/>
+          <p:nvPr/>
+        </p:nvSpPr>
+        <p:spPr>
+          <a:xfrm>
+            <a:off x="7343882" y="2833640"/>
+            <a:ext cx="2799185" cy="646331"/>
+          </a:xfrm>
+          <a:prstGeom prst="rect">
+            <a:avLst/>
+          </a:prstGeom>
+          <a:solidFill>
+            <a:schemeClr val="accent6">
+              <a:lumMod val="20000"/>
+              <a:lumOff val="80000"/>
+            </a:schemeClr>
+          </a:solidFill>
+        </p:spPr>
+        <p:txBody>
+          <a:bodyPr wrap="square" rtlCol="0">
+            <a:spAutoFit/>
+          </a:bodyPr>
+          <a:lstStyle/>
+          <a:p>
+            <a:pPr algn="ctr"/>
+            <a:r>
+              <a:rPr lang="en-US" dirty="0" smtClean="0"/>
+              <a:t>﻿Separate headings and numerical data</a:t>
+            </a:r>
+            <a:endParaRPr lang="en-US" dirty="0"/>
+          </a:p>
+        </p:txBody>
+      </p:sp>
+      <p:sp>
+        <p:nvSpPr>
+          <p:cNvPr id="21" name="Down Arrow 20"/>
           <p:cNvSpPr/>
           <p:nvPr/>
         </p:nvSpPr>
         <p:spPr>
           <a:xfrm>
-            <a:off x="8597171" y="2464308"/>
+            <a:off x="8597170" y="968647"/>
             <a:ext cx="292608" cy="369332"/>
           </a:xfrm>
           <a:prstGeom prst="downArrow">
@@ -4296,13 +4410,13 @@
       </p:sp>
       <p:sp>
         <p:nvSpPr>
-          <p:cNvPr id="52" name="Down Arrow 51"/>
+          <p:cNvPr id="22" name="Down Arrow 21"/>
           <p:cNvSpPr/>
           <p:nvPr/>
         </p:nvSpPr>
         <p:spPr>
           <a:xfrm>
-            <a:off x="8597168" y="3479971"/>
+            <a:off x="8565554" y="1725644"/>
             <a:ext cx="292608" cy="369332"/>
           </a:xfrm>
           <a:prstGeom prst="downArrow">
@@ -4336,6 +4450,86 @@
       </p:sp>
       <p:sp>
         <p:nvSpPr>
+          <p:cNvPr id="23" name="Down Arrow 22"/>
+          <p:cNvSpPr/>
+          <p:nvPr/>
+        </p:nvSpPr>
+        <p:spPr>
+          <a:xfrm>
+            <a:off x="8597171" y="2464308"/>
+            <a:ext cx="292608" cy="369332"/>
+          </a:xfrm>
+          <a:prstGeom prst="downArrow">
+            <a:avLst/>
+          </a:prstGeom>
+        </p:spPr>
+        <p:style>
+          <a:lnRef idx="2">
+            <a:schemeClr val="accent1">
+              <a:shade val="50000"/>
+            </a:schemeClr>
+          </a:lnRef>
+          <a:fillRef idx="1">
+            <a:schemeClr val="accent1"/>
+          </a:fillRef>
+          <a:effectRef idx="0">
+            <a:schemeClr val="accent1"/>
+          </a:effectRef>
+          <a:fontRef idx="minor">
+            <a:schemeClr val="lt1"/>
+          </a:fontRef>
+        </p:style>
+        <p:txBody>
+          <a:bodyPr rtlCol="0" anchor="ctr"/>
+          <a:lstStyle/>
+          <a:p>
+            <a:pPr algn="ctr"/>
+            <a:endParaRPr lang="en-US"/>
+          </a:p>
+        </p:txBody>
+      </p:sp>
+      <p:sp>
+        <p:nvSpPr>
+          <p:cNvPr id="52" name="Down Arrow 51"/>
+          <p:cNvSpPr/>
+          <p:nvPr/>
+        </p:nvSpPr>
+        <p:spPr>
+          <a:xfrm>
+            <a:off x="8597168" y="3479971"/>
+            <a:ext cx="292608" cy="369332"/>
+          </a:xfrm>
+          <a:prstGeom prst="downArrow">
+            <a:avLst/>
+          </a:prstGeom>
+        </p:spPr>
+        <p:style>
+          <a:lnRef idx="2">
+            <a:schemeClr val="accent1">
+              <a:shade val="50000"/>
+            </a:schemeClr>
+          </a:lnRef>
+          <a:fillRef idx="1">
+            <a:schemeClr val="accent1"/>
+          </a:fillRef>
+          <a:effectRef idx="0">
+            <a:schemeClr val="accent1"/>
+          </a:effectRef>
+          <a:fontRef idx="minor">
+            <a:schemeClr val="lt1"/>
+          </a:fontRef>
+        </p:style>
+        <p:txBody>
+          <a:bodyPr rtlCol="0" anchor="ctr"/>
+          <a:lstStyle/>
+          <a:p>
+            <a:pPr algn="ctr"/>
+            <a:endParaRPr lang="en-US"/>
+          </a:p>
+        </p:txBody>
+      </p:sp>
+      <p:sp>
+        <p:nvSpPr>
           <p:cNvPr id="53" name="TextBox 52"/>
           <p:cNvSpPr txBox="1"/>
           <p:nvPr/>
@@ -4364,11 +4558,7 @@
             <a:pPr algn="ctr"/>
             <a:r>
               <a:rPr lang="en-US" dirty="0" smtClean="0"/>
-              <a:t>﻿</a:t>
-            </a:r>
-            <a:r>
-              <a:rPr lang="en-US" dirty="0" smtClean="0"/>
-              <a:t>Data to </a:t>
+              <a:t>﻿Data to </a:t>
             </a:r>
             <a:r>
               <a:rPr lang="en-US" dirty="0" err="1" smtClean="0"/>
@@ -4637,7 +4827,211 @@
 </p:sld>
 </file>
 
-<file path=ppt/slides/slide4.xml><?xml version="1.0" encoding="utf-8"?>
+<file path=ppt/slides/slide5.xml><?xml version="1.0" encoding="utf-8"?>
+<p:sld xmlns:a="http://schemas.openxmlformats.org/drawingml/2006/main" xmlns:r="http://schemas.openxmlformats.org/officeDocument/2006/relationships" xmlns:p="http://schemas.openxmlformats.org/presentationml/2006/main">
+  <p:cSld>
+    <p:spTree>
+      <p:nvGrpSpPr>
+        <p:cNvPr id="1" name=""/>
+        <p:cNvGrpSpPr/>
+        <p:nvPr/>
+      </p:nvGrpSpPr>
+      <p:grpSpPr>
+        <a:xfrm>
+          <a:off x="0" y="0"/>
+          <a:ext cx="0" cy="0"/>
+          <a:chOff x="0" y="0"/>
+          <a:chExt cx="0" cy="0"/>
+        </a:xfrm>
+      </p:grpSpPr>
+      <p:sp>
+        <p:nvSpPr>
+          <p:cNvPr id="119" name="Introduction to Computer Programming Lecture 2:…"/>
+          <p:cNvSpPr txBox="1">
+            <a:spLocks noGrp="1"/>
+          </p:cNvSpPr>
+          <p:nvPr>
+            <p:ph type="ctrTitle"/>
+          </p:nvPr>
+        </p:nvSpPr>
+        <p:spPr>
+          <a:xfrm>
+            <a:off x="2352950" y="2091356"/>
+            <a:ext cx="7325680" cy="1741289"/>
+          </a:xfrm>
+          <a:prstGeom prst="rect">
+            <a:avLst/>
+          </a:prstGeom>
+        </p:spPr>
+        <p:txBody>
+          <a:bodyPr>
+            <a:normAutofit fontScale="90000"/>
+          </a:bodyPr>
+          <a:lstStyle/>
+          <a:p>
+            <a:pPr defTabSz="160191">
+              <a:defRPr sz="4160"/>
+            </a:pPr>
+            <a:r>
+              <a:rPr dirty="0"/>
+              <a:t>Introduction to Computer Programming Lecture </a:t>
+            </a:r>
+            <a:r>
+              <a:rPr lang="en-GB" smtClean="0"/>
+              <a:t>10.1.b</a:t>
+            </a:r>
+            <a:r>
+              <a:rPr smtClean="0"/>
+              <a:t>:</a:t>
+            </a:r>
+            <a:endParaRPr dirty="0"/>
+          </a:p>
+          <a:p>
+            <a:pPr defTabSz="160191">
+              <a:defRPr sz="4160"/>
+            </a:pPr>
+            <a:r>
+              <a:rPr dirty="0"/>
+              <a:t> </a:t>
+            </a:r>
+          </a:p>
+          <a:p>
+            <a:pPr defTabSz="160191">
+              <a:defRPr sz="4160" b="1">
+                <a:latin typeface="Helvetica"/>
+                <a:ea typeface="Helvetica"/>
+                <a:cs typeface="Helvetica"/>
+                <a:sym typeface="Helvetica"/>
+              </a:defRPr>
+            </a:pPr>
+            <a:r>
+              <a:rPr lang="en-GB" dirty="0" smtClean="0"/>
+              <a:t>Object Oriented Programming with Inheritance</a:t>
+            </a:r>
+            <a:endParaRPr dirty="0"/>
+          </a:p>
+        </p:txBody>
+      </p:sp>
+      <p:sp>
+        <p:nvSpPr>
+          <p:cNvPr id="120" name="Department of Engineering Mathematics"/>
+          <p:cNvSpPr txBox="1"/>
+          <p:nvPr/>
+        </p:nvSpPr>
+        <p:spPr>
+          <a:xfrm>
+            <a:off x="3256516" y="4540323"/>
+            <a:ext cx="5518548" cy="596057"/>
+          </a:xfrm>
+          <a:prstGeom prst="rect">
+            <a:avLst/>
+          </a:prstGeom>
+          <a:ln w="12700">
+            <a:miter lim="400000"/>
+          </a:ln>
+          <a:extLst>
+            <a:ext uri="{C572A759-6A51-4108-AA02-DFA0A04FC94B}">
+              <ma14:wrappingTextBoxFlag xmlns:ma14="http://schemas.microsoft.com/office/mac/drawingml/2011/main" val="1"/>
+            </a:ext>
+          </a:extLst>
+        </p:spPr>
+        <p:txBody>
+          <a:bodyPr lIns="26789" tIns="26789" rIns="26789" bIns="26789">
+            <a:normAutofit/>
+          </a:bodyPr>
+          <a:lstStyle/>
+          <a:p>
+            <a:pPr algn="ctr" defTabSz="166353">
+              <a:defRPr sz="2268"/>
+            </a:pPr>
+            <a:r>
+              <a:rPr sz="1196" dirty="0"/>
+              <a:t>Department of Engineering Mathematics</a:t>
+            </a:r>
+          </a:p>
+          <a:p>
+            <a:pPr algn="ctr" defTabSz="166353">
+              <a:defRPr sz="2268"/>
+            </a:pPr>
+            <a:endParaRPr sz="1196" dirty="0"/>
+          </a:p>
+        </p:txBody>
+      </p:sp>
+      <p:sp>
+        <p:nvSpPr>
+          <p:cNvPr id="122" name="Helmut Hauser"/>
+          <p:cNvSpPr txBox="1"/>
+          <p:nvPr/>
+        </p:nvSpPr>
+        <p:spPr>
+          <a:xfrm>
+            <a:off x="3363673" y="4186484"/>
+            <a:ext cx="5518548" cy="596057"/>
+          </a:xfrm>
+          <a:prstGeom prst="rect">
+            <a:avLst/>
+          </a:prstGeom>
+          <a:ln w="12700">
+            <a:miter lim="400000"/>
+          </a:ln>
+          <a:extLst>
+            <a:ext uri="{C572A759-6A51-4108-AA02-DFA0A04FC94B}">
+              <ma14:wrappingTextBoxFlag xmlns:ma14="http://schemas.microsoft.com/office/mac/drawingml/2011/main" val="1"/>
+            </a:ext>
+          </a:extLst>
+        </p:spPr>
+        <p:txBody>
+          <a:bodyPr lIns="26789" tIns="26789" rIns="26789" bIns="26789">
+            <a:normAutofit/>
+          </a:bodyPr>
+          <a:lstStyle/>
+          <a:p>
+            <a:pPr algn="ctr" defTabSz="166353">
+              <a:defRPr sz="3294"/>
+            </a:pPr>
+            <a:r>
+              <a:rPr lang="en-GB" sz="1737" dirty="0"/>
+              <a:t>Hemma Philamore </a:t>
+            </a:r>
+            <a:endParaRPr sz="1737" dirty="0"/>
+          </a:p>
+          <a:p>
+            <a:pPr algn="ctr" defTabSz="166353">
+              <a:defRPr sz="1728"/>
+            </a:pPr>
+            <a:endParaRPr sz="911" dirty="0"/>
+          </a:p>
+        </p:txBody>
+      </p:sp>
+    </p:spTree>
+    <p:extLst>
+      <p:ext uri="{BB962C8B-B14F-4D97-AF65-F5344CB8AC3E}">
+        <p14:creationId xmlns:p14="http://schemas.microsoft.com/office/powerpoint/2010/main" val="1682644333"/>
+      </p:ext>
+    </p:extLst>
+  </p:cSld>
+  <p:clrMapOvr>
+    <a:masterClrMapping/>
+  </p:clrMapOvr>
+  <mc:AlternateContent xmlns:mc="http://schemas.openxmlformats.org/markup-compatibility/2006" xmlns:p14="http://schemas.microsoft.com/office/powerpoint/2010/main">
+    <mc:Choice Requires="p14">
+      <p:transition spd="slow" p14:dur="2000"/>
+    </mc:Choice>
+    <mc:Fallback xmlns="">
+      <p:transition spd="slow"/>
+    </mc:Fallback>
+  </mc:AlternateContent>
+  <p:timing>
+    <p:tnLst>
+      <p:par>
+        <p:cTn id="1" dur="indefinite" restart="never" nodeType="tmRoot"/>
+      </p:par>
+    </p:tnLst>
+  </p:timing>
+</p:sld>
+</file>
+
+<file path=ppt/slides/slide6.xml><?xml version="1.0" encoding="utf-8"?>
 <p:sld xmlns:a="http://schemas.openxmlformats.org/drawingml/2006/main" xmlns:r="http://schemas.openxmlformats.org/officeDocument/2006/relationships" xmlns:p="http://schemas.openxmlformats.org/presentationml/2006/main">
   <p:cSld>
     <p:spTree>
